--- a/6306 Project_Employee Analysis.pptx
+++ b/6306 Project_Employee Analysis.pptx
@@ -818,7 +818,7 @@
   <p:cSld>
     <p:spTree>
       <p:nvGrpSpPr>
-        <p:cNvPr id="343" name="Shape 343"/>
+        <p:cNvPr id="342" name="Shape 342"/>
         <p:cNvGrpSpPr/>
         <p:nvPr/>
       </p:nvGrpSpPr>
@@ -832,7 +832,7 @@
       </p:grpSpPr>
       <p:sp>
         <p:nvSpPr>
-          <p:cNvPr id="344" name="Google Shape;344;g1a68e7fe77f_0_319:notes"/>
+          <p:cNvPr id="343" name="Google Shape;343;g1a68e7fe77f_0_319:notes"/>
           <p:cNvSpPr/>
           <p:nvPr>
             <p:ph idx="2" type="sldImg"/>
@@ -867,7 +867,7 @@
       </p:sp>
       <p:sp>
         <p:nvSpPr>
-          <p:cNvPr id="345" name="Google Shape;345;g1a68e7fe77f_0_319:notes"/>
+          <p:cNvPr id="344" name="Google Shape;344;g1a68e7fe77f_0_319:notes"/>
           <p:cNvSpPr txBox="1"/>
           <p:nvPr>
             <p:ph idx="1" type="body"/>
@@ -917,7 +917,7 @@
   <p:cSld>
     <p:spTree>
       <p:nvGrpSpPr>
-        <p:cNvPr id="350" name="Shape 350"/>
+        <p:cNvPr id="349" name="Shape 349"/>
         <p:cNvGrpSpPr/>
         <p:nvPr/>
       </p:nvGrpSpPr>
@@ -931,7 +931,7 @@
       </p:grpSpPr>
       <p:sp>
         <p:nvSpPr>
-          <p:cNvPr id="351" name="Google Shape;351;g1a68e7fe77f_0_325:notes"/>
+          <p:cNvPr id="350" name="Google Shape;350;g1a68e7fe77f_0_325:notes"/>
           <p:cNvSpPr/>
           <p:nvPr>
             <p:ph idx="2" type="sldImg"/>
@@ -966,7 +966,7 @@
       </p:sp>
       <p:sp>
         <p:nvSpPr>
-          <p:cNvPr id="352" name="Google Shape;352;g1a68e7fe77f_0_325:notes"/>
+          <p:cNvPr id="351" name="Google Shape;351;g1a68e7fe77f_0_325:notes"/>
           <p:cNvSpPr txBox="1"/>
           <p:nvPr>
             <p:ph idx="1" type="body"/>
@@ -1016,7 +1016,7 @@
   <p:cSld>
     <p:spTree>
       <p:nvGrpSpPr>
-        <p:cNvPr id="357" name="Shape 357"/>
+        <p:cNvPr id="356" name="Shape 356"/>
         <p:cNvGrpSpPr/>
         <p:nvPr/>
       </p:nvGrpSpPr>
@@ -1030,7 +1030,7 @@
       </p:grpSpPr>
       <p:sp>
         <p:nvSpPr>
-          <p:cNvPr id="358" name="Google Shape;358;g1a68e7fe77f_0_331:notes"/>
+          <p:cNvPr id="357" name="Google Shape;357;g1a68e7fe77f_0_331:notes"/>
           <p:cNvSpPr/>
           <p:nvPr>
             <p:ph idx="2" type="sldImg"/>
@@ -1065,7 +1065,7 @@
       </p:sp>
       <p:sp>
         <p:nvSpPr>
-          <p:cNvPr id="359" name="Google Shape;359;g1a68e7fe77f_0_331:notes"/>
+          <p:cNvPr id="358" name="Google Shape;358;g1a68e7fe77f_0_331:notes"/>
           <p:cNvSpPr txBox="1"/>
           <p:nvPr>
             <p:ph idx="1" type="body"/>
@@ -1115,7 +1115,7 @@
   <p:cSld>
     <p:spTree>
       <p:nvGrpSpPr>
-        <p:cNvPr id="368" name="Shape 368"/>
+        <p:cNvPr id="367" name="Shape 367"/>
         <p:cNvGrpSpPr/>
         <p:nvPr/>
       </p:nvGrpSpPr>
@@ -1129,7 +1129,7 @@
       </p:grpSpPr>
       <p:sp>
         <p:nvSpPr>
-          <p:cNvPr id="369" name="Google Shape;369;g1a68e7fe77f_0_348:notes"/>
+          <p:cNvPr id="368" name="Google Shape;368;g1a68e7fe77f_0_348:notes"/>
           <p:cNvSpPr/>
           <p:nvPr>
             <p:ph idx="2" type="sldImg"/>
@@ -1164,7 +1164,7 @@
       </p:sp>
       <p:sp>
         <p:nvSpPr>
-          <p:cNvPr id="370" name="Google Shape;370;g1a68e7fe77f_0_348:notes"/>
+          <p:cNvPr id="369" name="Google Shape;369;g1a68e7fe77f_0_348:notes"/>
           <p:cNvSpPr txBox="1"/>
           <p:nvPr>
             <p:ph idx="1" type="body"/>
@@ -1214,7 +1214,7 @@
   <p:cSld>
     <p:spTree>
       <p:nvGrpSpPr>
-        <p:cNvPr id="374" name="Shape 374"/>
+        <p:cNvPr id="373" name="Shape 373"/>
         <p:cNvGrpSpPr/>
         <p:nvPr/>
       </p:nvGrpSpPr>
@@ -1228,7 +1228,7 @@
       </p:grpSpPr>
       <p:sp>
         <p:nvSpPr>
-          <p:cNvPr id="375" name="Google Shape;375;g1aebc3bf0c8_0_5:notes"/>
+          <p:cNvPr id="374" name="Google Shape;374;g1aebc3bf0c8_0_5:notes"/>
           <p:cNvSpPr/>
           <p:nvPr>
             <p:ph idx="2" type="sldImg"/>
@@ -1263,7 +1263,7 @@
       </p:sp>
       <p:sp>
         <p:nvSpPr>
-          <p:cNvPr id="376" name="Google Shape;376;g1aebc3bf0c8_0_5:notes"/>
+          <p:cNvPr id="375" name="Google Shape;375;g1aebc3bf0c8_0_5:notes"/>
           <p:cNvSpPr txBox="1"/>
           <p:nvPr>
             <p:ph idx="1" type="body"/>
@@ -1313,7 +1313,7 @@
   <p:cSld>
     <p:spTree>
       <p:nvGrpSpPr>
-        <p:cNvPr id="380" name="Shape 380"/>
+        <p:cNvPr id="379" name="Shape 379"/>
         <p:cNvGrpSpPr/>
         <p:nvPr/>
       </p:nvGrpSpPr>
@@ -1327,7 +1327,7 @@
       </p:grpSpPr>
       <p:sp>
         <p:nvSpPr>
-          <p:cNvPr id="381" name="Google Shape;381;g1aebc3bf0c8_0_10:notes"/>
+          <p:cNvPr id="380" name="Google Shape;380;g1aebc3bf0c8_0_10:notes"/>
           <p:cNvSpPr/>
           <p:nvPr>
             <p:ph idx="2" type="sldImg"/>
@@ -1362,7 +1362,7 @@
       </p:sp>
       <p:sp>
         <p:nvSpPr>
-          <p:cNvPr id="382" name="Google Shape;382;g1aebc3bf0c8_0_10:notes"/>
+          <p:cNvPr id="381" name="Google Shape;381;g1aebc3bf0c8_0_10:notes"/>
           <p:cNvSpPr txBox="1"/>
           <p:nvPr>
             <p:ph idx="1" type="body"/>
@@ -2105,7 +2105,7 @@
   <p:cSld>
     <p:spTree>
       <p:nvGrpSpPr>
-        <p:cNvPr id="336" name="Shape 336"/>
+        <p:cNvPr id="335" name="Shape 335"/>
         <p:cNvGrpSpPr/>
         <p:nvPr/>
       </p:nvGrpSpPr>
@@ -2119,7 +2119,7 @@
       </p:grpSpPr>
       <p:sp>
         <p:nvSpPr>
-          <p:cNvPr id="337" name="Google Shape;337;g1a68e7fe77f_0_281:notes"/>
+          <p:cNvPr id="336" name="Google Shape;336;g1a68e7fe77f_0_281:notes"/>
           <p:cNvSpPr/>
           <p:nvPr>
             <p:ph idx="2" type="sldImg"/>
@@ -2154,7 +2154,7 @@
       </p:sp>
       <p:sp>
         <p:nvSpPr>
-          <p:cNvPr id="338" name="Google Shape;338;g1a68e7fe77f_0_281:notes"/>
+          <p:cNvPr id="337" name="Google Shape;337;g1a68e7fe77f_0_281:notes"/>
           <p:cNvSpPr txBox="1"/>
           <p:nvPr>
             <p:ph idx="1" type="body"/>
@@ -16580,7 +16580,7 @@
   <p:cSld>
     <p:spTree>
       <p:nvGrpSpPr>
-        <p:cNvPr id="346" name="Shape 346"/>
+        <p:cNvPr id="345" name="Shape 345"/>
         <p:cNvGrpSpPr/>
         <p:nvPr/>
       </p:nvGrpSpPr>
@@ -16594,7 +16594,7 @@
       </p:grpSpPr>
       <p:sp>
         <p:nvSpPr>
-          <p:cNvPr id="347" name="Google Shape;347;p22"/>
+          <p:cNvPr id="346" name="Google Shape;346;p22"/>
           <p:cNvSpPr txBox="1"/>
           <p:nvPr>
             <p:ph type="title"/>
@@ -16634,7 +16634,7 @@
       </p:sp>
       <p:sp>
         <p:nvSpPr>
-          <p:cNvPr id="348" name="Google Shape;348;p22"/>
+          <p:cNvPr id="347" name="Google Shape;347;p22"/>
           <p:cNvSpPr txBox="1"/>
           <p:nvPr>
             <p:ph idx="1" type="body"/>
@@ -16673,7 +16673,7 @@
       </p:sp>
       <p:pic>
         <p:nvPicPr>
-          <p:cNvPr id="349" name="Google Shape;349;p22"/>
+          <p:cNvPr id="348" name="Google Shape;348;p22"/>
           <p:cNvPicPr preferRelativeResize="0"/>
           <p:nvPr/>
         </p:nvPicPr>
@@ -16712,7 +16712,7 @@
   <p:cSld>
     <p:spTree>
       <p:nvGrpSpPr>
-        <p:cNvPr id="353" name="Shape 353"/>
+        <p:cNvPr id="352" name="Shape 352"/>
         <p:cNvGrpSpPr/>
         <p:nvPr/>
       </p:nvGrpSpPr>
@@ -16726,7 +16726,7 @@
       </p:grpSpPr>
       <p:sp>
         <p:nvSpPr>
-          <p:cNvPr id="354" name="Google Shape;354;p23"/>
+          <p:cNvPr id="353" name="Google Shape;353;p23"/>
           <p:cNvSpPr txBox="1"/>
           <p:nvPr>
             <p:ph type="title"/>
@@ -16781,7 +16781,7 @@
       </p:sp>
       <p:sp>
         <p:nvSpPr>
-          <p:cNvPr id="355" name="Google Shape;355;p23"/>
+          <p:cNvPr id="354" name="Google Shape;354;p23"/>
           <p:cNvSpPr txBox="1"/>
           <p:nvPr>
             <p:ph idx="1" type="body"/>
@@ -16820,7 +16820,7 @@
       </p:sp>
       <p:pic>
         <p:nvPicPr>
-          <p:cNvPr id="356" name="Google Shape;356;p23"/>
+          <p:cNvPr id="355" name="Google Shape;355;p23"/>
           <p:cNvPicPr preferRelativeResize="0"/>
           <p:nvPr/>
         </p:nvPicPr>
@@ -16859,7 +16859,7 @@
   <p:cSld>
     <p:spTree>
       <p:nvGrpSpPr>
-        <p:cNvPr id="360" name="Shape 360"/>
+        <p:cNvPr id="359" name="Shape 359"/>
         <p:cNvGrpSpPr/>
         <p:nvPr/>
       </p:nvGrpSpPr>
@@ -16873,7 +16873,7 @@
       </p:grpSpPr>
       <p:sp>
         <p:nvSpPr>
-          <p:cNvPr id="361" name="Google Shape;361;p24"/>
+          <p:cNvPr id="360" name="Google Shape;360;p24"/>
           <p:cNvSpPr txBox="1"/>
           <p:nvPr>
             <p:ph type="title"/>
@@ -16913,7 +16913,7 @@
       </p:sp>
       <p:sp>
         <p:nvSpPr>
-          <p:cNvPr id="362" name="Google Shape;362;p24"/>
+          <p:cNvPr id="361" name="Google Shape;361;p24"/>
           <p:cNvSpPr txBox="1"/>
           <p:nvPr>
             <p:ph idx="1" type="body"/>
@@ -17009,7 +17009,7 @@
       </p:sp>
       <p:pic>
         <p:nvPicPr>
-          <p:cNvPr id="363" name="Google Shape;363;p24"/>
+          <p:cNvPr id="362" name="Google Shape;362;p24"/>
           <p:cNvPicPr preferRelativeResize="0"/>
           <p:nvPr/>
         </p:nvPicPr>
@@ -17037,7 +17037,7 @@
       </p:pic>
       <p:cxnSp>
         <p:nvCxnSpPr>
-          <p:cNvPr id="364" name="Google Shape;364;p24"/>
+          <p:cNvPr id="363" name="Google Shape;363;p24"/>
           <p:cNvCxnSpPr/>
           <p:nvPr/>
         </p:nvCxnSpPr>
@@ -17063,7 +17063,7 @@
       </p:cxnSp>
       <p:cxnSp>
         <p:nvCxnSpPr>
-          <p:cNvPr id="365" name="Google Shape;365;p24"/>
+          <p:cNvPr id="364" name="Google Shape;364;p24"/>
           <p:cNvCxnSpPr/>
           <p:nvPr/>
         </p:nvCxnSpPr>
@@ -17089,7 +17089,7 @@
       </p:cxnSp>
       <p:cxnSp>
         <p:nvCxnSpPr>
-          <p:cNvPr id="366" name="Google Shape;366;p24"/>
+          <p:cNvPr id="365" name="Google Shape;365;p24"/>
           <p:cNvCxnSpPr/>
           <p:nvPr/>
         </p:nvCxnSpPr>
@@ -17115,7 +17115,7 @@
       </p:cxnSp>
       <p:cxnSp>
         <p:nvCxnSpPr>
-          <p:cNvPr id="367" name="Google Shape;367;p24"/>
+          <p:cNvPr id="366" name="Google Shape;366;p24"/>
           <p:cNvCxnSpPr/>
           <p:nvPr/>
         </p:nvCxnSpPr>
@@ -17152,7 +17152,7 @@
   <p:cSld>
     <p:spTree>
       <p:nvGrpSpPr>
-        <p:cNvPr id="371" name="Shape 371"/>
+        <p:cNvPr id="370" name="Shape 370"/>
         <p:cNvGrpSpPr/>
         <p:nvPr/>
       </p:nvGrpSpPr>
@@ -17166,7 +17166,7 @@
       </p:grpSpPr>
       <p:sp>
         <p:nvSpPr>
-          <p:cNvPr id="372" name="Google Shape;372;p25"/>
+          <p:cNvPr id="371" name="Google Shape;371;p25"/>
           <p:cNvSpPr txBox="1"/>
           <p:nvPr>
             <p:ph type="title"/>
@@ -17206,7 +17206,7 @@
       </p:sp>
       <p:sp>
         <p:nvSpPr>
-          <p:cNvPr id="373" name="Google Shape;373;p25"/>
+          <p:cNvPr id="372" name="Google Shape;372;p25"/>
           <p:cNvSpPr txBox="1"/>
           <p:nvPr>
             <p:ph idx="1" type="body"/>
@@ -17309,7 +17309,7 @@
   <p:cSld>
     <p:spTree>
       <p:nvGrpSpPr>
-        <p:cNvPr id="377" name="Shape 377"/>
+        <p:cNvPr id="376" name="Shape 376"/>
         <p:cNvGrpSpPr/>
         <p:nvPr/>
       </p:nvGrpSpPr>
@@ -17323,7 +17323,7 @@
       </p:grpSpPr>
       <p:sp>
         <p:nvSpPr>
-          <p:cNvPr id="378" name="Google Shape;378;p26"/>
+          <p:cNvPr id="377" name="Google Shape;377;p26"/>
           <p:cNvSpPr txBox="1"/>
           <p:nvPr>
             <p:ph type="title"/>
@@ -17423,7 +17423,7 @@
       </p:sp>
       <p:sp>
         <p:nvSpPr>
-          <p:cNvPr id="379" name="Google Shape;379;p26"/>
+          <p:cNvPr id="378" name="Google Shape;378;p26"/>
           <p:cNvSpPr txBox="1"/>
           <p:nvPr>
             <p:ph idx="1" type="body"/>
@@ -17473,7 +17473,7 @@
   <p:cSld>
     <p:spTree>
       <p:nvGrpSpPr>
-        <p:cNvPr id="383" name="Shape 383"/>
+        <p:cNvPr id="382" name="Shape 382"/>
         <p:cNvGrpSpPr/>
         <p:nvPr/>
       </p:nvGrpSpPr>
@@ -17487,7 +17487,7 @@
       </p:grpSpPr>
       <p:sp>
         <p:nvSpPr>
-          <p:cNvPr id="384" name="Google Shape;384;p27"/>
+          <p:cNvPr id="383" name="Google Shape;383;p27"/>
           <p:cNvSpPr txBox="1"/>
           <p:nvPr>
             <p:ph type="title"/>
@@ -17527,7 +17527,7 @@
       </p:sp>
       <p:sp>
         <p:nvSpPr>
-          <p:cNvPr id="385" name="Google Shape;385;p27"/>
+          <p:cNvPr id="384" name="Google Shape;384;p27"/>
           <p:cNvSpPr txBox="1"/>
           <p:nvPr>
             <p:ph idx="1" type="body"/>
@@ -17559,7 +17559,7 @@
             </a:pPr>
             <a:r>
               <a:rPr lang="en"/>
-              <a:t>https://drive.google.com/file/d/1P42-c6FTE2aJwgsowFIvTpASlgx8TNn5/view?usp=sharing</a:t>
+              <a:t>https://drive.google.com/file/d/1srzTIJI2Ow2vudsjGM2-xGMUC6uKXKr_/view?usp=sharing</a:t>
             </a:r>
             <a:endParaRPr/>
           </a:p>
@@ -18676,7 +18676,7 @@
             </a:pPr>
             <a:r>
               <a:rPr lang="en"/>
-              <a:t>Accuracy: .6829</a:t>
+              <a:t>Accuracy: .713</a:t>
             </a:r>
             <a:endParaRPr/>
           </a:p>
@@ -18693,7 +18693,7 @@
             </a:pPr>
             <a:r>
               <a:rPr lang="en"/>
-              <a:t>Sensitivity: .7446</a:t>
+              <a:t>Sensitivity: .6471</a:t>
             </a:r>
             <a:endParaRPr/>
           </a:p>
@@ -18710,7 +18710,7 @@
             </a:pPr>
             <a:r>
               <a:rPr lang="en"/>
-              <a:t>Specificity: .6119</a:t>
+              <a:t>Specificity: .7719</a:t>
             </a:r>
             <a:endParaRPr/>
           </a:p>
@@ -18749,8 +18749,8 @@
         </p:blipFill>
         <p:spPr>
           <a:xfrm>
-            <a:off x="5727738" y="1306250"/>
-            <a:ext cx="2962275" cy="3448050"/>
+            <a:off x="5391902" y="1298975"/>
+            <a:ext cx="3152400" cy="3607675"/>
           </a:xfrm>
           <a:prstGeom prst="rect">
             <a:avLst/>
@@ -18899,7 +18899,7 @@
             </a:pPr>
             <a:r>
               <a:rPr lang="en"/>
-              <a:t>Sensitivity: .9019</a:t>
+              <a:t>Specificity: .9019</a:t>
             </a:r>
             <a:endParaRPr/>
           </a:p>
@@ -18916,24 +18916,22 @@
             </a:pPr>
             <a:r>
               <a:rPr lang="en"/>
-              <a:t>Specificity: .8750</a:t>
+              <a:t>Sensitivity: .8750</a:t>
             </a:r>
             <a:endParaRPr/>
           </a:p>
           <a:p>
-            <a:pPr indent="-311150" lvl="0" marL="457200" rtl="0" algn="l">
-              <a:spcBef>
-                <a:spcPts val="0"/>
-              </a:spcBef>
-              <a:spcAft>
-                <a:spcPts val="0"/>
-              </a:spcAft>
-              <a:buSzPts val="1300"/>
-              <a:buChar char="●"/>
+            <a:pPr indent="0" lvl="0" marL="457200" rtl="0" algn="l">
+              <a:spcBef>
+                <a:spcPts val="1200"/>
+              </a:spcBef>
+              <a:spcAft>
+                <a:spcPts val="1200"/>
+              </a:spcAft>
+              <a:buNone/>
             </a:pPr>
             <a:r>
-              <a:rPr lang="en"/>
-              <a:t>Model Results:</a:t>
+              <a:t/>
             </a:r>
             <a:endParaRPr/>
           </a:p>
@@ -18955,36 +18953,8 @@
         </p:blipFill>
         <p:spPr>
           <a:xfrm>
-            <a:off x="2370150" y="3205950"/>
-            <a:ext cx="1425625" cy="515650"/>
-          </a:xfrm>
-          <a:prstGeom prst="rect">
-            <a:avLst/>
-          </a:prstGeom>
-          <a:noFill/>
-          <a:ln>
-            <a:noFill/>
-          </a:ln>
-        </p:spPr>
-      </p:pic>
-      <p:pic>
-        <p:nvPicPr>
-          <p:cNvPr id="335" name="Google Shape;335;p20"/>
-          <p:cNvPicPr preferRelativeResize="0"/>
-          <p:nvPr/>
-        </p:nvPicPr>
-        <p:blipFill>
-          <a:blip r:embed="rId4">
-            <a:alphaModFix/>
-          </a:blip>
-          <a:stretch>
-            <a:fillRect/>
-          </a:stretch>
-        </p:blipFill>
-        <p:spPr>
-          <a:xfrm>
-            <a:off x="5500013" y="1687813"/>
-            <a:ext cx="3114675" cy="2924175"/>
+            <a:off x="5172778" y="1443037"/>
+            <a:ext cx="3675801" cy="3432574"/>
           </a:xfrm>
           <a:prstGeom prst="rect">
             <a:avLst/>
@@ -19008,7 +18978,7 @@
   <p:cSld>
     <p:spTree>
       <p:nvGrpSpPr>
-        <p:cNvPr id="339" name="Shape 339"/>
+        <p:cNvPr id="338" name="Shape 338"/>
         <p:cNvGrpSpPr/>
         <p:nvPr/>
       </p:nvGrpSpPr>
@@ -19022,7 +18992,7 @@
       </p:grpSpPr>
       <p:sp>
         <p:nvSpPr>
-          <p:cNvPr id="340" name="Google Shape;340;p21"/>
+          <p:cNvPr id="339" name="Google Shape;339;p21"/>
           <p:cNvSpPr txBox="1"/>
           <p:nvPr>
             <p:ph type="title"/>
@@ -19062,7 +19032,7 @@
       </p:sp>
       <p:sp>
         <p:nvSpPr>
-          <p:cNvPr id="341" name="Google Shape;341;p21"/>
+          <p:cNvPr id="340" name="Google Shape;340;p21"/>
           <p:cNvSpPr txBox="1"/>
           <p:nvPr>
             <p:ph idx="1" type="body"/>
@@ -19151,7 +19121,7 @@
       </p:sp>
       <p:pic>
         <p:nvPicPr>
-          <p:cNvPr id="342" name="Google Shape;342;p21"/>
+          <p:cNvPr id="341" name="Google Shape;341;p21"/>
           <p:cNvPicPr preferRelativeResize="0"/>
           <p:nvPr/>
         </p:nvPicPr>
@@ -19186,6 +19156,285 @@
 </file>
 
 <file path=ppt/theme/theme1.xml><?xml version="1.0" encoding="utf-8"?>
+<a:theme xmlns:a="http://schemas.openxmlformats.org/drawingml/2006/main" xmlns:r="http://schemas.openxmlformats.org/officeDocument/2006/relationships" name="Momentum">
+  <a:themeElements>
+    <a:clrScheme name="Momentum">
+      <a:dk1>
+        <a:srgbClr val="C0791B"/>
+      </a:dk1>
+      <a:lt1>
+        <a:srgbClr val="FFFFFF"/>
+      </a:lt1>
+      <a:dk2>
+        <a:srgbClr val="424242"/>
+      </a:dk2>
+      <a:lt2>
+        <a:srgbClr val="8DD8D3"/>
+      </a:lt2>
+      <a:accent1>
+        <a:srgbClr val="0B6374"/>
+      </a:accent1>
+      <a:accent2>
+        <a:srgbClr val="FD5B58"/>
+      </a:accent2>
+      <a:accent3>
+        <a:srgbClr val="599191"/>
+      </a:accent3>
+      <a:accent4>
+        <a:srgbClr val="D7E6A3"/>
+      </a:accent4>
+      <a:accent5>
+        <a:srgbClr val="27278B"/>
+      </a:accent5>
+      <a:accent6>
+        <a:srgbClr val="D558AB"/>
+      </a:accent6>
+      <a:hlink>
+        <a:srgbClr val="27278B"/>
+      </a:hlink>
+      <a:folHlink>
+        <a:srgbClr val="27278B"/>
+      </a:folHlink>
+    </a:clrScheme>
+    <a:fontScheme name="Office">
+      <a:majorFont>
+        <a:latin typeface="Arial"/>
+        <a:ea typeface=""/>
+        <a:cs typeface=""/>
+        <a:font script="Jpan" typeface="ＭＳ Ｐゴシック"/>
+        <a:font script="Hang" typeface="맑은 고딕"/>
+        <a:font script="Hans" typeface="宋体"/>
+        <a:font script="Hant" typeface="新細明體"/>
+        <a:font script="Arab" typeface="Times New Roman"/>
+        <a:font script="Hebr" typeface="Times New Roman"/>
+        <a:font script="Thai" typeface="Angsana New"/>
+        <a:font script="Ethi" typeface="Nyala"/>
+        <a:font script="Beng" typeface="Vrinda"/>
+        <a:font script="Gujr" typeface="Shruti"/>
+        <a:font script="Khmr" typeface="MoolBoran"/>
+        <a:font script="Knda" typeface="Tunga"/>
+        <a:font script="Guru" typeface="Raavi"/>
+        <a:font script="Cans" typeface="Euphemia"/>
+        <a:font script="Cher" typeface="Plantagenet Cherokee"/>
+        <a:font script="Yiii" typeface="Microsoft Yi Baiti"/>
+        <a:font script="Tibt" typeface="Microsoft Himalaya"/>
+        <a:font script="Thaa" typeface="MV Boli"/>
+        <a:font script="Deva" typeface="Mangal"/>
+        <a:font script="Telu" typeface="Gautami"/>
+        <a:font script="Taml" typeface="Latha"/>
+        <a:font script="Syrc" typeface="Estrangelo Edessa"/>
+        <a:font script="Orya" typeface="Kalinga"/>
+        <a:font script="Mlym" typeface="Kartika"/>
+        <a:font script="Laoo" typeface="DokChampa"/>
+        <a:font script="Sinh" typeface="Iskoola Pota"/>
+        <a:font script="Mong" typeface="Mongolian Baiti"/>
+        <a:font script="Viet" typeface="Times New Roman"/>
+        <a:font script="Uigh" typeface="Microsoft Uighur"/>
+        <a:font script="Geor" typeface="Sylfaen"/>
+      </a:majorFont>
+      <a:minorFont>
+        <a:latin typeface="Arial"/>
+        <a:ea typeface=""/>
+        <a:cs typeface=""/>
+        <a:font script="Jpan" typeface="ＭＳ Ｐゴシック"/>
+        <a:font script="Hang" typeface="맑은 고딕"/>
+        <a:font script="Hans" typeface="宋体"/>
+        <a:font script="Hant" typeface="新細明體"/>
+        <a:font script="Arab" typeface="Arial"/>
+        <a:font script="Hebr" typeface="Arial"/>
+        <a:font script="Thai" typeface="Cordia New"/>
+        <a:font script="Ethi" typeface="Nyala"/>
+        <a:font script="Beng" typeface="Vrinda"/>
+        <a:font script="Gujr" typeface="Shruti"/>
+        <a:font script="Khmr" typeface="DaunPenh"/>
+        <a:font script="Knda" typeface="Tunga"/>
+        <a:font script="Guru" typeface="Raavi"/>
+        <a:font script="Cans" typeface="Euphemia"/>
+        <a:font script="Cher" typeface="Plantagenet Cherokee"/>
+        <a:font script="Yiii" typeface="Microsoft Yi Baiti"/>
+        <a:font script="Tibt" typeface="Microsoft Himalaya"/>
+        <a:font script="Thaa" typeface="MV Boli"/>
+        <a:font script="Deva" typeface="Mangal"/>
+        <a:font script="Telu" typeface="Gautami"/>
+        <a:font script="Taml" typeface="Latha"/>
+        <a:font script="Syrc" typeface="Estrangelo Edessa"/>
+        <a:font script="Orya" typeface="Kalinga"/>
+        <a:font script="Mlym" typeface="Kartika"/>
+        <a:font script="Laoo" typeface="DokChampa"/>
+        <a:font script="Sinh" typeface="Iskoola Pota"/>
+        <a:font script="Mong" typeface="Mongolian Baiti"/>
+        <a:font script="Viet" typeface="Arial"/>
+        <a:font script="Uigh" typeface="Microsoft Uighur"/>
+        <a:font script="Geor" typeface="Sylfaen"/>
+      </a:minorFont>
+    </a:fontScheme>
+    <a:fmtScheme name="Office">
+      <a:fillStyleLst>
+        <a:solidFill>
+          <a:schemeClr val="phClr"/>
+        </a:solidFill>
+        <a:gradFill rotWithShape="1">
+          <a:gsLst>
+            <a:gs pos="0">
+              <a:schemeClr val="phClr">
+                <a:tint val="50000"/>
+                <a:satMod val="300000"/>
+              </a:schemeClr>
+            </a:gs>
+            <a:gs pos="35000">
+              <a:schemeClr val="phClr">
+                <a:tint val="37000"/>
+                <a:satMod val="300000"/>
+              </a:schemeClr>
+            </a:gs>
+            <a:gs pos="100000">
+              <a:schemeClr val="phClr">
+                <a:tint val="15000"/>
+                <a:satMod val="350000"/>
+              </a:schemeClr>
+            </a:gs>
+          </a:gsLst>
+          <a:lin ang="16200000" scaled="1"/>
+        </a:gradFill>
+        <a:gradFill rotWithShape="1">
+          <a:gsLst>
+            <a:gs pos="0">
+              <a:schemeClr val="phClr">
+                <a:tint val="100000"/>
+                <a:shade val="100000"/>
+                <a:satMod val="130000"/>
+              </a:schemeClr>
+            </a:gs>
+            <a:gs pos="100000">
+              <a:schemeClr val="phClr">
+                <a:tint val="50000"/>
+                <a:shade val="100000"/>
+                <a:satMod val="350000"/>
+              </a:schemeClr>
+            </a:gs>
+          </a:gsLst>
+          <a:lin ang="16200000" scaled="0"/>
+        </a:gradFill>
+      </a:fillStyleLst>
+      <a:lnStyleLst>
+        <a:ln w="9525" cap="flat" cmpd="sng" algn="ctr">
+          <a:solidFill>
+            <a:schemeClr val="phClr">
+              <a:shade val="95000"/>
+              <a:satMod val="105000"/>
+            </a:schemeClr>
+          </a:solidFill>
+          <a:prstDash val="solid"/>
+        </a:ln>
+        <a:ln w="25400" cap="flat" cmpd="sng" algn="ctr">
+          <a:solidFill>
+            <a:schemeClr val="phClr"/>
+          </a:solidFill>
+          <a:prstDash val="solid"/>
+        </a:ln>
+        <a:ln w="38100" cap="flat" cmpd="sng" algn="ctr">
+          <a:solidFill>
+            <a:schemeClr val="phClr"/>
+          </a:solidFill>
+          <a:prstDash val="solid"/>
+        </a:ln>
+      </a:lnStyleLst>
+      <a:effectStyleLst>
+        <a:effectStyle>
+          <a:effectLst>
+            <a:outerShdw blurRad="40000" dist="20000" dir="5400000" rotWithShape="0">
+              <a:srgbClr val="000000">
+                <a:alpha val="38000"/>
+              </a:srgbClr>
+            </a:outerShdw>
+          </a:effectLst>
+        </a:effectStyle>
+        <a:effectStyle>
+          <a:effectLst>
+            <a:outerShdw blurRad="40000" dist="23000" dir="5400000" rotWithShape="0">
+              <a:srgbClr val="000000">
+                <a:alpha val="35000"/>
+              </a:srgbClr>
+            </a:outerShdw>
+          </a:effectLst>
+        </a:effectStyle>
+        <a:effectStyle>
+          <a:effectLst>
+            <a:outerShdw blurRad="40000" dist="23000" dir="5400000" rotWithShape="0">
+              <a:srgbClr val="000000">
+                <a:alpha val="35000"/>
+              </a:srgbClr>
+            </a:outerShdw>
+          </a:effectLst>
+          <a:scene3d>
+            <a:camera prst="orthographicFront">
+              <a:rot lat="0" lon="0" rev="0"/>
+            </a:camera>
+            <a:lightRig rig="threePt" dir="t">
+              <a:rot lat="0" lon="0" rev="1200000"/>
+            </a:lightRig>
+          </a:scene3d>
+          <a:sp3d>
+            <a:bevelT w="63500" h="25400"/>
+          </a:sp3d>
+        </a:effectStyle>
+      </a:effectStyleLst>
+      <a:bgFillStyleLst>
+        <a:solidFill>
+          <a:schemeClr val="phClr"/>
+        </a:solidFill>
+        <a:gradFill rotWithShape="1">
+          <a:gsLst>
+            <a:gs pos="0">
+              <a:schemeClr val="phClr">
+                <a:tint val="40000"/>
+                <a:satMod val="350000"/>
+              </a:schemeClr>
+            </a:gs>
+            <a:gs pos="40000">
+              <a:schemeClr val="phClr">
+                <a:tint val="45000"/>
+                <a:shade val="99000"/>
+                <a:satMod val="350000"/>
+              </a:schemeClr>
+            </a:gs>
+            <a:gs pos="100000">
+              <a:schemeClr val="phClr">
+                <a:shade val="20000"/>
+                <a:satMod val="255000"/>
+              </a:schemeClr>
+            </a:gs>
+          </a:gsLst>
+          <a:path path="circle">
+            <a:fillToRect l="50000" t="-80000" r="50000" b="180000"/>
+          </a:path>
+        </a:gradFill>
+        <a:gradFill rotWithShape="1">
+          <a:gsLst>
+            <a:gs pos="0">
+              <a:schemeClr val="phClr">
+                <a:tint val="80000"/>
+                <a:satMod val="300000"/>
+              </a:schemeClr>
+            </a:gs>
+            <a:gs pos="100000">
+              <a:schemeClr val="phClr">
+                <a:shade val="30000"/>
+                <a:satMod val="200000"/>
+              </a:schemeClr>
+            </a:gs>
+          </a:gsLst>
+          <a:path path="circle">
+            <a:fillToRect l="50000" t="50000" r="50000" b="50000"/>
+          </a:path>
+        </a:gradFill>
+      </a:bgFillStyleLst>
+    </a:fmtScheme>
+  </a:themeElements>
+</a:theme>
+</file>
+
+<file path=ppt/theme/theme2.xml><?xml version="1.0" encoding="utf-8"?>
 <a:theme xmlns:a="http://schemas.openxmlformats.org/drawingml/2006/main" xmlns:r="http://schemas.openxmlformats.org/officeDocument/2006/relationships">
   <a:themeElements>
     <a:clrScheme name="Default">
@@ -19462,283 +19711,4 @@
     </a:fmtScheme>
   </a:themeElements>
 </a:theme>
-</file>
-
-<file path=ppt/theme/theme2.xml><?xml version="1.0" encoding="utf-8"?>
-<a:theme xmlns:a="http://schemas.openxmlformats.org/drawingml/2006/main" xmlns:r="http://schemas.openxmlformats.org/officeDocument/2006/relationships" name="Momentum">
-  <a:themeElements>
-    <a:clrScheme name="Momentum">
-      <a:dk1>
-        <a:srgbClr val="C0791B"/>
-      </a:dk1>
-      <a:lt1>
-        <a:srgbClr val="FFFFFF"/>
-      </a:lt1>
-      <a:dk2>
-        <a:srgbClr val="424242"/>
-      </a:dk2>
-      <a:lt2>
-        <a:srgbClr val="8DD8D3"/>
-      </a:lt2>
-      <a:accent1>
-        <a:srgbClr val="0B6374"/>
-      </a:accent1>
-      <a:accent2>
-        <a:srgbClr val="FD5B58"/>
-      </a:accent2>
-      <a:accent3>
-        <a:srgbClr val="599191"/>
-      </a:accent3>
-      <a:accent4>
-        <a:srgbClr val="D7E6A3"/>
-      </a:accent4>
-      <a:accent5>
-        <a:srgbClr val="27278B"/>
-      </a:accent5>
-      <a:accent6>
-        <a:srgbClr val="D558AB"/>
-      </a:accent6>
-      <a:hlink>
-        <a:srgbClr val="27278B"/>
-      </a:hlink>
-      <a:folHlink>
-        <a:srgbClr val="27278B"/>
-      </a:folHlink>
-    </a:clrScheme>
-    <a:fontScheme name="Office">
-      <a:majorFont>
-        <a:latin typeface="Arial"/>
-        <a:ea typeface=""/>
-        <a:cs typeface=""/>
-        <a:font script="Jpan" typeface="ＭＳ Ｐゴシック"/>
-        <a:font script="Hang" typeface="맑은 고딕"/>
-        <a:font script="Hans" typeface="宋体"/>
-        <a:font script="Hant" typeface="新細明體"/>
-        <a:font script="Arab" typeface="Times New Roman"/>
-        <a:font script="Hebr" typeface="Times New Roman"/>
-        <a:font script="Thai" typeface="Angsana New"/>
-        <a:font script="Ethi" typeface="Nyala"/>
-        <a:font script="Beng" typeface="Vrinda"/>
-        <a:font script="Gujr" typeface="Shruti"/>
-        <a:font script="Khmr" typeface="MoolBoran"/>
-        <a:font script="Knda" typeface="Tunga"/>
-        <a:font script="Guru" typeface="Raavi"/>
-        <a:font script="Cans" typeface="Euphemia"/>
-        <a:font script="Cher" typeface="Plantagenet Cherokee"/>
-        <a:font script="Yiii" typeface="Microsoft Yi Baiti"/>
-        <a:font script="Tibt" typeface="Microsoft Himalaya"/>
-        <a:font script="Thaa" typeface="MV Boli"/>
-        <a:font script="Deva" typeface="Mangal"/>
-        <a:font script="Telu" typeface="Gautami"/>
-        <a:font script="Taml" typeface="Latha"/>
-        <a:font script="Syrc" typeface="Estrangelo Edessa"/>
-        <a:font script="Orya" typeface="Kalinga"/>
-        <a:font script="Mlym" typeface="Kartika"/>
-        <a:font script="Laoo" typeface="DokChampa"/>
-        <a:font script="Sinh" typeface="Iskoola Pota"/>
-        <a:font script="Mong" typeface="Mongolian Baiti"/>
-        <a:font script="Viet" typeface="Times New Roman"/>
-        <a:font script="Uigh" typeface="Microsoft Uighur"/>
-        <a:font script="Geor" typeface="Sylfaen"/>
-      </a:majorFont>
-      <a:minorFont>
-        <a:latin typeface="Arial"/>
-        <a:ea typeface=""/>
-        <a:cs typeface=""/>
-        <a:font script="Jpan" typeface="ＭＳ Ｐゴシック"/>
-        <a:font script="Hang" typeface="맑은 고딕"/>
-        <a:font script="Hans" typeface="宋体"/>
-        <a:font script="Hant" typeface="新細明體"/>
-        <a:font script="Arab" typeface="Arial"/>
-        <a:font script="Hebr" typeface="Arial"/>
-        <a:font script="Thai" typeface="Cordia New"/>
-        <a:font script="Ethi" typeface="Nyala"/>
-        <a:font script="Beng" typeface="Vrinda"/>
-        <a:font script="Gujr" typeface="Shruti"/>
-        <a:font script="Khmr" typeface="DaunPenh"/>
-        <a:font script="Knda" typeface="Tunga"/>
-        <a:font script="Guru" typeface="Raavi"/>
-        <a:font script="Cans" typeface="Euphemia"/>
-        <a:font script="Cher" typeface="Plantagenet Cherokee"/>
-        <a:font script="Yiii" typeface="Microsoft Yi Baiti"/>
-        <a:font script="Tibt" typeface="Microsoft Himalaya"/>
-        <a:font script="Thaa" typeface="MV Boli"/>
-        <a:font script="Deva" typeface="Mangal"/>
-        <a:font script="Telu" typeface="Gautami"/>
-        <a:font script="Taml" typeface="Latha"/>
-        <a:font script="Syrc" typeface="Estrangelo Edessa"/>
-        <a:font script="Orya" typeface="Kalinga"/>
-        <a:font script="Mlym" typeface="Kartika"/>
-        <a:font script="Laoo" typeface="DokChampa"/>
-        <a:font script="Sinh" typeface="Iskoola Pota"/>
-        <a:font script="Mong" typeface="Mongolian Baiti"/>
-        <a:font script="Viet" typeface="Arial"/>
-        <a:font script="Uigh" typeface="Microsoft Uighur"/>
-        <a:font script="Geor" typeface="Sylfaen"/>
-      </a:minorFont>
-    </a:fontScheme>
-    <a:fmtScheme name="Office">
-      <a:fillStyleLst>
-        <a:solidFill>
-          <a:schemeClr val="phClr"/>
-        </a:solidFill>
-        <a:gradFill rotWithShape="1">
-          <a:gsLst>
-            <a:gs pos="0">
-              <a:schemeClr val="phClr">
-                <a:tint val="50000"/>
-                <a:satMod val="300000"/>
-              </a:schemeClr>
-            </a:gs>
-            <a:gs pos="35000">
-              <a:schemeClr val="phClr">
-                <a:tint val="37000"/>
-                <a:satMod val="300000"/>
-              </a:schemeClr>
-            </a:gs>
-            <a:gs pos="100000">
-              <a:schemeClr val="phClr">
-                <a:tint val="15000"/>
-                <a:satMod val="350000"/>
-              </a:schemeClr>
-            </a:gs>
-          </a:gsLst>
-          <a:lin ang="16200000" scaled="1"/>
-        </a:gradFill>
-        <a:gradFill rotWithShape="1">
-          <a:gsLst>
-            <a:gs pos="0">
-              <a:schemeClr val="phClr">
-                <a:tint val="100000"/>
-                <a:shade val="100000"/>
-                <a:satMod val="130000"/>
-              </a:schemeClr>
-            </a:gs>
-            <a:gs pos="100000">
-              <a:schemeClr val="phClr">
-                <a:tint val="50000"/>
-                <a:shade val="100000"/>
-                <a:satMod val="350000"/>
-              </a:schemeClr>
-            </a:gs>
-          </a:gsLst>
-          <a:lin ang="16200000" scaled="0"/>
-        </a:gradFill>
-      </a:fillStyleLst>
-      <a:lnStyleLst>
-        <a:ln w="9525" cap="flat" cmpd="sng" algn="ctr">
-          <a:solidFill>
-            <a:schemeClr val="phClr">
-              <a:shade val="95000"/>
-              <a:satMod val="105000"/>
-            </a:schemeClr>
-          </a:solidFill>
-          <a:prstDash val="solid"/>
-        </a:ln>
-        <a:ln w="25400" cap="flat" cmpd="sng" algn="ctr">
-          <a:solidFill>
-            <a:schemeClr val="phClr"/>
-          </a:solidFill>
-          <a:prstDash val="solid"/>
-        </a:ln>
-        <a:ln w="38100" cap="flat" cmpd="sng" algn="ctr">
-          <a:solidFill>
-            <a:schemeClr val="phClr"/>
-          </a:solidFill>
-          <a:prstDash val="solid"/>
-        </a:ln>
-      </a:lnStyleLst>
-      <a:effectStyleLst>
-        <a:effectStyle>
-          <a:effectLst>
-            <a:outerShdw blurRad="40000" dist="20000" dir="5400000" rotWithShape="0">
-              <a:srgbClr val="000000">
-                <a:alpha val="38000"/>
-              </a:srgbClr>
-            </a:outerShdw>
-          </a:effectLst>
-        </a:effectStyle>
-        <a:effectStyle>
-          <a:effectLst>
-            <a:outerShdw blurRad="40000" dist="23000" dir="5400000" rotWithShape="0">
-              <a:srgbClr val="000000">
-                <a:alpha val="35000"/>
-              </a:srgbClr>
-            </a:outerShdw>
-          </a:effectLst>
-        </a:effectStyle>
-        <a:effectStyle>
-          <a:effectLst>
-            <a:outerShdw blurRad="40000" dist="23000" dir="5400000" rotWithShape="0">
-              <a:srgbClr val="000000">
-                <a:alpha val="35000"/>
-              </a:srgbClr>
-            </a:outerShdw>
-          </a:effectLst>
-          <a:scene3d>
-            <a:camera prst="orthographicFront">
-              <a:rot lat="0" lon="0" rev="0"/>
-            </a:camera>
-            <a:lightRig rig="threePt" dir="t">
-              <a:rot lat="0" lon="0" rev="1200000"/>
-            </a:lightRig>
-          </a:scene3d>
-          <a:sp3d>
-            <a:bevelT w="63500" h="25400"/>
-          </a:sp3d>
-        </a:effectStyle>
-      </a:effectStyleLst>
-      <a:bgFillStyleLst>
-        <a:solidFill>
-          <a:schemeClr val="phClr"/>
-        </a:solidFill>
-        <a:gradFill rotWithShape="1">
-          <a:gsLst>
-            <a:gs pos="0">
-              <a:schemeClr val="phClr">
-                <a:tint val="40000"/>
-                <a:satMod val="350000"/>
-              </a:schemeClr>
-            </a:gs>
-            <a:gs pos="40000">
-              <a:schemeClr val="phClr">
-                <a:tint val="45000"/>
-                <a:shade val="99000"/>
-                <a:satMod val="350000"/>
-              </a:schemeClr>
-            </a:gs>
-            <a:gs pos="100000">
-              <a:schemeClr val="phClr">
-                <a:shade val="20000"/>
-                <a:satMod val="255000"/>
-              </a:schemeClr>
-            </a:gs>
-          </a:gsLst>
-          <a:path path="circle">
-            <a:fillToRect l="50000" t="-80000" r="50000" b="180000"/>
-          </a:path>
-        </a:gradFill>
-        <a:gradFill rotWithShape="1">
-          <a:gsLst>
-            <a:gs pos="0">
-              <a:schemeClr val="phClr">
-                <a:tint val="80000"/>
-                <a:satMod val="300000"/>
-              </a:schemeClr>
-            </a:gs>
-            <a:gs pos="100000">
-              <a:schemeClr val="phClr">
-                <a:shade val="30000"/>
-                <a:satMod val="200000"/>
-              </a:schemeClr>
-            </a:gs>
-          </a:gsLst>
-          <a:path path="circle">
-            <a:fillToRect l="50000" t="50000" r="50000" b="50000"/>
-          </a:path>
-        </a:gradFill>
-      </a:bgFillStyleLst>
-    </a:fmtScheme>
-  </a:themeElements>
-</a:theme>
 </file>